--- a/2015-11-10 Meeting Radulov/Slides - main.pptx
+++ b/2015-11-10 Meeting Radulov/Slides - main.pptx
@@ -5,7 +5,11 @@
     <p:sldMasterId id="2147483648" r:id="rId1"/>
   </p:sldMasterIdLst>
   <p:sldIdLst>
-    <p:sldId id="257" r:id="rId2"/>
+    <p:sldId id="261" r:id="rId2"/>
+    <p:sldId id="258" r:id="rId3"/>
+    <p:sldId id="259" r:id="rId4"/>
+    <p:sldId id="260" r:id="rId5"/>
+    <p:sldId id="257" r:id="rId6"/>
   </p:sldIdLst>
   <p:sldSz cx="9144000" cy="6858000" type="screen4x3"/>
   <p:notesSz cx="6858000" cy="9144000"/>
@@ -104,7 +108,35 @@
       </a:defRPr>
     </a:lvl9pPr>
   </p:defaultTextStyle>
+  <p:extLst>
+    <p:ext uri="{EFAFB233-063F-42B5-8137-9DF3F51BA10A}">
+      <p15:sldGuideLst xmlns:p15="http://schemas.microsoft.com/office/powerpoint/2012/main">
+        <p15:guide id="1" orient="horz" pos="2160">
+          <p15:clr>
+            <a:srgbClr val="A4A3A4"/>
+          </p15:clr>
+        </p15:guide>
+        <p15:guide id="2" pos="2880">
+          <p15:clr>
+            <a:srgbClr val="A4A3A4"/>
+          </p15:clr>
+        </p15:guide>
+      </p15:sldGuideLst>
+    </p:ext>
+  </p:extLst>
 </p:presentation>
+</file>
+
+<file path=ppt/commentAuthors.xml><?xml version="1.0" encoding="utf-8"?>
+<p:cmAuthorLst xmlns:a="http://schemas.openxmlformats.org/drawingml/2006/main" xmlns:r="http://schemas.openxmlformats.org/officeDocument/2006/relationships" xmlns:p="http://schemas.openxmlformats.org/presentationml/2006/main">
+  <p:cmAuthor id="1" name="Anrooij, P. van" initials="APv" lastIdx="1" clrIdx="0">
+    <p:extLst>
+      <p:ext uri="{19B8F6BF-5375-455C-9EA6-DF929625EA0E}">
+        <p15:presenceInfo xmlns:p15="http://schemas.microsoft.com/office/powerpoint/2012/main" userId="S-1-5-21-1895577662-1677200029-1617787245-942685" providerId="AD"/>
+      </p:ext>
+    </p:extLst>
+  </p:cmAuthor>
+</p:cmAuthorLst>
 </file>
 
 <file path=ppt/slideLayouts/slideLayout1.xml><?xml version="1.0" encoding="utf-8"?>
@@ -288,7 +320,7 @@
           <a:p>
             <a:fld id="{3D636C07-7E76-46D3-B86B-6AF7C60E533E}" type="datetimeFigureOut">
               <a:rPr lang="nl-NL" smtClean="0"/>
-              <a:t>8-12-2015</a:t>
+              <a:t>9-12-2015</a:t>
             </a:fld>
             <a:endParaRPr lang="nl-NL"/>
           </a:p>
@@ -330,7 +362,7 @@
           <a:p>
             <a:fld id="{A9096D49-DAE3-40DE-93E0-41688E0A5016}" type="slidenum">
               <a:rPr lang="nl-NL" smtClean="0"/>
-              <a:t>‹nr.›</a:t>
+              <a:t>‹#›</a:t>
             </a:fld>
             <a:endParaRPr lang="nl-NL"/>
           </a:p>
@@ -453,7 +485,7 @@
           <a:p>
             <a:fld id="{3D636C07-7E76-46D3-B86B-6AF7C60E533E}" type="datetimeFigureOut">
               <a:rPr lang="nl-NL" smtClean="0"/>
-              <a:t>8-12-2015</a:t>
+              <a:t>9-12-2015</a:t>
             </a:fld>
             <a:endParaRPr lang="nl-NL"/>
           </a:p>
@@ -495,7 +527,7 @@
           <a:p>
             <a:fld id="{A9096D49-DAE3-40DE-93E0-41688E0A5016}" type="slidenum">
               <a:rPr lang="nl-NL" smtClean="0"/>
-              <a:t>‹nr.›</a:t>
+              <a:t>‹#›</a:t>
             </a:fld>
             <a:endParaRPr lang="nl-NL"/>
           </a:p>
@@ -628,7 +660,7 @@
           <a:p>
             <a:fld id="{3D636C07-7E76-46D3-B86B-6AF7C60E533E}" type="datetimeFigureOut">
               <a:rPr lang="nl-NL" smtClean="0"/>
-              <a:t>8-12-2015</a:t>
+              <a:t>9-12-2015</a:t>
             </a:fld>
             <a:endParaRPr lang="nl-NL"/>
           </a:p>
@@ -670,7 +702,7 @@
           <a:p>
             <a:fld id="{A9096D49-DAE3-40DE-93E0-41688E0A5016}" type="slidenum">
               <a:rPr lang="nl-NL" smtClean="0"/>
-              <a:t>‹nr.›</a:t>
+              <a:t>‹#›</a:t>
             </a:fld>
             <a:endParaRPr lang="nl-NL"/>
           </a:p>
@@ -793,7 +825,7 @@
           <a:p>
             <a:fld id="{3D636C07-7E76-46D3-B86B-6AF7C60E533E}" type="datetimeFigureOut">
               <a:rPr lang="nl-NL" smtClean="0"/>
-              <a:t>8-12-2015</a:t>
+              <a:t>9-12-2015</a:t>
             </a:fld>
             <a:endParaRPr lang="nl-NL"/>
           </a:p>
@@ -835,7 +867,7 @@
           <a:p>
             <a:fld id="{A9096D49-DAE3-40DE-93E0-41688E0A5016}" type="slidenum">
               <a:rPr lang="nl-NL" smtClean="0"/>
-              <a:t>‹nr.›</a:t>
+              <a:t>‹#›</a:t>
             </a:fld>
             <a:endParaRPr lang="nl-NL"/>
           </a:p>
@@ -1034,7 +1066,7 @@
           <a:p>
             <a:fld id="{3D636C07-7E76-46D3-B86B-6AF7C60E533E}" type="datetimeFigureOut">
               <a:rPr lang="nl-NL" smtClean="0"/>
-              <a:t>8-12-2015</a:t>
+              <a:t>9-12-2015</a:t>
             </a:fld>
             <a:endParaRPr lang="nl-NL"/>
           </a:p>
@@ -1076,7 +1108,7 @@
           <a:p>
             <a:fld id="{A9096D49-DAE3-40DE-93E0-41688E0A5016}" type="slidenum">
               <a:rPr lang="nl-NL" smtClean="0"/>
-              <a:t>‹nr.›</a:t>
+              <a:t>‹#›</a:t>
             </a:fld>
             <a:endParaRPr lang="nl-NL"/>
           </a:p>
@@ -1317,7 +1349,7 @@
           <a:p>
             <a:fld id="{3D636C07-7E76-46D3-B86B-6AF7C60E533E}" type="datetimeFigureOut">
               <a:rPr lang="nl-NL" smtClean="0"/>
-              <a:t>8-12-2015</a:t>
+              <a:t>9-12-2015</a:t>
             </a:fld>
             <a:endParaRPr lang="nl-NL"/>
           </a:p>
@@ -1359,7 +1391,7 @@
           <a:p>
             <a:fld id="{A9096D49-DAE3-40DE-93E0-41688E0A5016}" type="slidenum">
               <a:rPr lang="nl-NL" smtClean="0"/>
-              <a:t>‹nr.›</a:t>
+              <a:t>‹#›</a:t>
             </a:fld>
             <a:endParaRPr lang="nl-NL"/>
           </a:p>
@@ -1734,7 +1766,7 @@
           <a:p>
             <a:fld id="{3D636C07-7E76-46D3-B86B-6AF7C60E533E}" type="datetimeFigureOut">
               <a:rPr lang="nl-NL" smtClean="0"/>
-              <a:t>8-12-2015</a:t>
+              <a:t>9-12-2015</a:t>
             </a:fld>
             <a:endParaRPr lang="nl-NL"/>
           </a:p>
@@ -1776,7 +1808,7 @@
           <a:p>
             <a:fld id="{A9096D49-DAE3-40DE-93E0-41688E0A5016}" type="slidenum">
               <a:rPr lang="nl-NL" smtClean="0"/>
-              <a:t>‹nr.›</a:t>
+              <a:t>‹#›</a:t>
             </a:fld>
             <a:endParaRPr lang="nl-NL"/>
           </a:p>
@@ -1847,7 +1879,7 @@
           <a:p>
             <a:fld id="{3D636C07-7E76-46D3-B86B-6AF7C60E533E}" type="datetimeFigureOut">
               <a:rPr lang="nl-NL" smtClean="0"/>
-              <a:t>8-12-2015</a:t>
+              <a:t>9-12-2015</a:t>
             </a:fld>
             <a:endParaRPr lang="nl-NL"/>
           </a:p>
@@ -1889,7 +1921,7 @@
           <a:p>
             <a:fld id="{A9096D49-DAE3-40DE-93E0-41688E0A5016}" type="slidenum">
               <a:rPr lang="nl-NL" smtClean="0"/>
-              <a:t>‹nr.›</a:t>
+              <a:t>‹#›</a:t>
             </a:fld>
             <a:endParaRPr lang="nl-NL"/>
           </a:p>
@@ -1937,7 +1969,7 @@
           <a:p>
             <a:fld id="{3D636C07-7E76-46D3-B86B-6AF7C60E533E}" type="datetimeFigureOut">
               <a:rPr lang="nl-NL" smtClean="0"/>
-              <a:t>8-12-2015</a:t>
+              <a:t>9-12-2015</a:t>
             </a:fld>
             <a:endParaRPr lang="nl-NL"/>
           </a:p>
@@ -1979,7 +2011,7 @@
           <a:p>
             <a:fld id="{A9096D49-DAE3-40DE-93E0-41688E0A5016}" type="slidenum">
               <a:rPr lang="nl-NL" smtClean="0"/>
-              <a:t>‹nr.›</a:t>
+              <a:t>‹#›</a:t>
             </a:fld>
             <a:endParaRPr lang="nl-NL"/>
           </a:p>
@@ -2209,7 +2241,7 @@
           <a:p>
             <a:fld id="{3D636C07-7E76-46D3-B86B-6AF7C60E533E}" type="datetimeFigureOut">
               <a:rPr lang="nl-NL" smtClean="0"/>
-              <a:t>8-12-2015</a:t>
+              <a:t>9-12-2015</a:t>
             </a:fld>
             <a:endParaRPr lang="nl-NL"/>
           </a:p>
@@ -2251,7 +2283,7 @@
           <a:p>
             <a:fld id="{A9096D49-DAE3-40DE-93E0-41688E0A5016}" type="slidenum">
               <a:rPr lang="nl-NL" smtClean="0"/>
-              <a:t>‹nr.›</a:t>
+              <a:t>‹#›</a:t>
             </a:fld>
             <a:endParaRPr lang="nl-NL"/>
           </a:p>
@@ -2457,7 +2489,7 @@
           <a:p>
             <a:fld id="{3D636C07-7E76-46D3-B86B-6AF7C60E533E}" type="datetimeFigureOut">
               <a:rPr lang="nl-NL" smtClean="0"/>
-              <a:t>8-12-2015</a:t>
+              <a:t>9-12-2015</a:t>
             </a:fld>
             <a:endParaRPr lang="nl-NL"/>
           </a:p>
@@ -2499,7 +2531,7 @@
           <a:p>
             <a:fld id="{A9096D49-DAE3-40DE-93E0-41688E0A5016}" type="slidenum">
               <a:rPr lang="nl-NL" smtClean="0"/>
-              <a:t>‹nr.›</a:t>
+              <a:t>‹#›</a:t>
             </a:fld>
             <a:endParaRPr lang="nl-NL"/>
           </a:p>
@@ -2665,7 +2697,7 @@
           <a:p>
             <a:fld id="{3D636C07-7E76-46D3-B86B-6AF7C60E533E}" type="datetimeFigureOut">
               <a:rPr lang="nl-NL" smtClean="0"/>
-              <a:t>8-12-2015</a:t>
+              <a:t>9-12-2015</a:t>
             </a:fld>
             <a:endParaRPr lang="nl-NL"/>
           </a:p>
@@ -2743,7 +2775,7 @@
           <a:p>
             <a:fld id="{A9096D49-DAE3-40DE-93E0-41688E0A5016}" type="slidenum">
               <a:rPr lang="nl-NL" smtClean="0"/>
-              <a:t>‹nr.›</a:t>
+              <a:t>‹#›</a:t>
             </a:fld>
             <a:endParaRPr lang="nl-NL"/>
           </a:p>
@@ -3019,6 +3051,756 @@
 </file>
 
 <file path=ppt/slides/slide1.xml><?xml version="1.0" encoding="utf-8"?>
+<p:sld xmlns:a="http://schemas.openxmlformats.org/drawingml/2006/main" xmlns:r="http://schemas.openxmlformats.org/officeDocument/2006/relationships" xmlns:p="http://schemas.openxmlformats.org/presentationml/2006/main">
+  <p:cSld>
+    <p:spTree>
+      <p:nvGrpSpPr>
+        <p:cNvPr id="1" name=""/>
+        <p:cNvGrpSpPr/>
+        <p:nvPr/>
+      </p:nvGrpSpPr>
+      <p:grpSpPr>
+        <a:xfrm>
+          <a:off x="0" y="0"/>
+          <a:ext cx="0" cy="0"/>
+          <a:chOff x="0" y="0"/>
+          <a:chExt cx="0" cy="0"/>
+        </a:xfrm>
+      </p:grpSpPr>
+      <p:sp>
+        <p:nvSpPr>
+          <p:cNvPr id="4" name="Title 3"/>
+          <p:cNvSpPr>
+            <a:spLocks noGrp="1"/>
+          </p:cNvSpPr>
+          <p:nvPr>
+            <p:ph type="ctrTitle"/>
+          </p:nvPr>
+        </p:nvSpPr>
+        <p:spPr/>
+        <p:txBody>
+          <a:bodyPr/>
+          <a:lstStyle/>
+          <a:p>
+            <a:r>
+              <a:rPr lang="en-US" dirty="0" smtClean="0"/>
+              <a:t>Power ADC</a:t>
+            </a:r>
+            <a:endParaRPr lang="en-GB" dirty="0"/>
+          </a:p>
+        </p:txBody>
+      </p:sp>
+      <p:sp>
+        <p:nvSpPr>
+          <p:cNvPr id="5" name="Subtitle 4"/>
+          <p:cNvSpPr>
+            <a:spLocks noGrp="1"/>
+          </p:cNvSpPr>
+          <p:nvPr>
+            <p:ph type="subTitle" idx="1"/>
+          </p:nvPr>
+        </p:nvSpPr>
+        <p:spPr/>
+        <p:txBody>
+          <a:bodyPr>
+            <a:normAutofit fontScale="77500" lnSpcReduction="20000"/>
+          </a:bodyPr>
+          <a:lstStyle/>
+          <a:p>
+            <a:r>
+              <a:rPr lang="en-US" dirty="0" smtClean="0"/>
+              <a:t>Project members:</a:t>
+            </a:r>
+          </a:p>
+          <a:p>
+            <a:r>
+              <a:rPr lang="en-US" sz="2600" dirty="0" smtClean="0"/>
+              <a:t>Peter van Anrooij,</a:t>
+            </a:r>
+          </a:p>
+          <a:p>
+            <a:r>
+              <a:rPr lang="en-US" sz="2600" dirty="0" err="1"/>
+              <a:t>Remco</a:t>
+            </a:r>
+            <a:r>
+              <a:rPr lang="en-US" sz="2600" dirty="0"/>
+              <a:t> </a:t>
+            </a:r>
+            <a:r>
+              <a:rPr lang="en-US" sz="2600" dirty="0" err="1" smtClean="0"/>
+              <a:t>Bonten</a:t>
+            </a:r>
+            <a:r>
+              <a:rPr lang="en-US" sz="2600" dirty="0" smtClean="0"/>
+              <a:t>,</a:t>
+            </a:r>
+            <a:endParaRPr lang="en-GB" sz="2600" dirty="0"/>
+          </a:p>
+          <a:p>
+            <a:r>
+              <a:rPr lang="en-US" sz="2600" dirty="0"/>
+              <a:t>Maarten </a:t>
+            </a:r>
+            <a:r>
+              <a:rPr lang="en-US" sz="2600" dirty="0" err="1" smtClean="0"/>
+              <a:t>Hattink</a:t>
+            </a:r>
+            <a:r>
+              <a:rPr lang="en-US" sz="2600" dirty="0" smtClean="0"/>
+              <a:t>,</a:t>
+            </a:r>
+          </a:p>
+          <a:p>
+            <a:r>
+              <a:rPr lang="en-US" sz="2600" dirty="0" smtClean="0"/>
+              <a:t>Frits Smits</a:t>
+            </a:r>
+          </a:p>
+          <a:p>
+            <a:endParaRPr lang="en-US" sz="2600" dirty="0" smtClean="0"/>
+          </a:p>
+        </p:txBody>
+      </p:sp>
+    </p:spTree>
+    <p:extLst>
+      <p:ext uri="{BB962C8B-B14F-4D97-AF65-F5344CB8AC3E}">
+        <p14:creationId xmlns:p14="http://schemas.microsoft.com/office/powerpoint/2010/main" val="1262183020"/>
+      </p:ext>
+    </p:extLst>
+  </p:cSld>
+  <p:clrMapOvr>
+    <a:masterClrMapping/>
+  </p:clrMapOvr>
+</p:sld>
+</file>
+
+<file path=ppt/slides/slide2.xml><?xml version="1.0" encoding="utf-8"?>
+<p:sld xmlns:a="http://schemas.openxmlformats.org/drawingml/2006/main" xmlns:r="http://schemas.openxmlformats.org/officeDocument/2006/relationships" xmlns:p="http://schemas.openxmlformats.org/presentationml/2006/main">
+  <p:cSld>
+    <p:spTree>
+      <p:nvGrpSpPr>
+        <p:cNvPr id="1" name=""/>
+        <p:cNvGrpSpPr/>
+        <p:nvPr/>
+      </p:nvGrpSpPr>
+      <p:grpSpPr>
+        <a:xfrm>
+          <a:off x="0" y="0"/>
+          <a:ext cx="0" cy="0"/>
+          <a:chOff x="0" y="0"/>
+          <a:chExt cx="0" cy="0"/>
+        </a:xfrm>
+      </p:grpSpPr>
+      <p:sp>
+        <p:nvSpPr>
+          <p:cNvPr id="2" name="Title 1"/>
+          <p:cNvSpPr>
+            <a:spLocks noGrp="1"/>
+          </p:cNvSpPr>
+          <p:nvPr>
+            <p:ph type="ctrTitle"/>
+          </p:nvPr>
+        </p:nvSpPr>
+        <p:spPr>
+          <a:xfrm>
+            <a:off x="107504" y="980728"/>
+            <a:ext cx="9155163" cy="822661"/>
+          </a:xfrm>
+        </p:spPr>
+        <p:txBody>
+          <a:bodyPr>
+            <a:noAutofit/>
+          </a:bodyPr>
+          <a:lstStyle/>
+          <a:p>
+            <a:r>
+              <a:rPr lang="en-US" sz="3600" dirty="0"/>
+              <a:t>D flip-flop and NAND port Ideal design</a:t>
+            </a:r>
+            <a:endParaRPr lang="en-GB" sz="3600" dirty="0"/>
+          </a:p>
+        </p:txBody>
+      </p:sp>
+      <p:pic>
+        <p:nvPicPr>
+          <p:cNvPr id="6" name="Picture 5"/>
+          <p:cNvPicPr>
+            <a:picLocks noChangeAspect="1"/>
+          </p:cNvPicPr>
+          <p:nvPr/>
+        </p:nvPicPr>
+        <p:blipFill rotWithShape="1">
+          <a:blip r:embed="rId2"/>
+          <a:srcRect t="13823" b="15758"/>
+          <a:stretch/>
+        </p:blipFill>
+        <p:spPr>
+          <a:xfrm>
+            <a:off x="553453" y="2045933"/>
+            <a:ext cx="7722394" cy="1443789"/>
+          </a:xfrm>
+          <a:prstGeom prst="rect">
+            <a:avLst/>
+          </a:prstGeom>
+        </p:spPr>
+      </p:pic>
+      <p:pic>
+        <p:nvPicPr>
+          <p:cNvPr id="7" name="Picture 6"/>
+          <p:cNvPicPr>
+            <a:picLocks noChangeAspect="1"/>
+          </p:cNvPicPr>
+          <p:nvPr/>
+        </p:nvPicPr>
+        <p:blipFill rotWithShape="1">
+          <a:blip r:embed="rId3"/>
+          <a:srcRect r="8822" b="6707"/>
+          <a:stretch/>
+        </p:blipFill>
+        <p:spPr>
+          <a:xfrm>
+            <a:off x="553453" y="3579019"/>
+            <a:ext cx="2755232" cy="2259305"/>
+          </a:xfrm>
+          <a:prstGeom prst="rect">
+            <a:avLst/>
+          </a:prstGeom>
+        </p:spPr>
+      </p:pic>
+      <p:pic>
+        <p:nvPicPr>
+          <p:cNvPr id="9" name="Picture 8"/>
+          <p:cNvPicPr>
+            <a:picLocks noChangeAspect="1"/>
+          </p:cNvPicPr>
+          <p:nvPr/>
+        </p:nvPicPr>
+        <p:blipFill rotWithShape="1">
+          <a:blip r:embed="rId4"/>
+          <a:srcRect l="447" r="7987"/>
+          <a:stretch/>
+        </p:blipFill>
+        <p:spPr>
+          <a:xfrm>
+            <a:off x="4037163" y="3579019"/>
+            <a:ext cx="4238684" cy="1857375"/>
+          </a:xfrm>
+          <a:prstGeom prst="rect">
+            <a:avLst/>
+          </a:prstGeom>
+        </p:spPr>
+      </p:pic>
+    </p:spTree>
+    <p:extLst>
+      <p:ext uri="{BB962C8B-B14F-4D97-AF65-F5344CB8AC3E}">
+        <p14:creationId xmlns:p14="http://schemas.microsoft.com/office/powerpoint/2010/main" val="2263391481"/>
+      </p:ext>
+    </p:extLst>
+  </p:cSld>
+  <p:clrMapOvr>
+    <a:masterClrMapping/>
+  </p:clrMapOvr>
+  <p:timing>
+    <p:tnLst>
+      <p:par>
+        <p:cTn id="1" dur="indefinite" restart="never" nodeType="tmRoot"/>
+      </p:par>
+    </p:tnLst>
+  </p:timing>
+</p:sld>
+</file>
+
+<file path=ppt/slides/slide3.xml><?xml version="1.0" encoding="utf-8"?>
+<p:sld xmlns:a="http://schemas.openxmlformats.org/drawingml/2006/main" xmlns:r="http://schemas.openxmlformats.org/officeDocument/2006/relationships" xmlns:p="http://schemas.openxmlformats.org/presentationml/2006/main">
+  <p:cSld>
+    <p:spTree>
+      <p:nvGrpSpPr>
+        <p:cNvPr id="1" name=""/>
+        <p:cNvGrpSpPr/>
+        <p:nvPr/>
+      </p:nvGrpSpPr>
+      <p:grpSpPr>
+        <a:xfrm>
+          <a:off x="0" y="0"/>
+          <a:ext cx="0" cy="0"/>
+          <a:chOff x="0" y="0"/>
+          <a:chExt cx="0" cy="0"/>
+        </a:xfrm>
+      </p:grpSpPr>
+      <p:sp>
+        <p:nvSpPr>
+          <p:cNvPr id="2" name="Title 1"/>
+          <p:cNvSpPr>
+            <a:spLocks noGrp="1"/>
+          </p:cNvSpPr>
+          <p:nvPr>
+            <p:ph type="title"/>
+          </p:nvPr>
+        </p:nvSpPr>
+        <p:spPr>
+          <a:xfrm>
+            <a:off x="589546" y="836712"/>
+            <a:ext cx="7886700" cy="994172"/>
+          </a:xfrm>
+        </p:spPr>
+        <p:txBody>
+          <a:bodyPr>
+            <a:normAutofit/>
+          </a:bodyPr>
+          <a:lstStyle/>
+          <a:p>
+            <a:pPr algn="ctr"/>
+            <a:r>
+              <a:rPr lang="en-US" sz="3600" dirty="0" smtClean="0"/>
+              <a:t>Simulation D flip flop and NAND</a:t>
+            </a:r>
+            <a:endParaRPr lang="en-GB" sz="3600" dirty="0"/>
+          </a:p>
+        </p:txBody>
+      </p:sp>
+      <p:sp>
+        <p:nvSpPr>
+          <p:cNvPr id="3" name="Content Placeholder 2"/>
+          <p:cNvSpPr>
+            <a:spLocks noGrp="1"/>
+          </p:cNvSpPr>
+          <p:nvPr>
+            <p:ph idx="1"/>
+          </p:nvPr>
+        </p:nvSpPr>
+        <p:spPr>
+          <a:xfrm>
+            <a:off x="103517" y="4058181"/>
+            <a:ext cx="3590745" cy="1198541"/>
+          </a:xfrm>
+        </p:spPr>
+        <p:txBody>
+          <a:bodyPr>
+            <a:normAutofit fontScale="62500" lnSpcReduction="20000"/>
+          </a:bodyPr>
+          <a:lstStyle/>
+          <a:p>
+            <a:r>
+              <a:rPr lang="en-US" dirty="0" smtClean="0"/>
+              <a:t>Simulation </a:t>
+            </a:r>
+            <a:r>
+              <a:rPr lang="en-US" dirty="0" smtClean="0"/>
+              <a:t>values </a:t>
+            </a:r>
+            <a:r>
+              <a:rPr lang="en-US" dirty="0" smtClean="0"/>
+              <a:t>D Flip flop</a:t>
+            </a:r>
+          </a:p>
+          <a:p>
+            <a:pPr lvl="1"/>
+            <a:r>
+              <a:rPr lang="en-US" dirty="0" smtClean="0"/>
+              <a:t>Data </a:t>
+            </a:r>
+            <a:r>
+              <a:rPr lang="en-US" dirty="0" smtClean="0"/>
+              <a:t>in: 50 MHz signal</a:t>
+            </a:r>
+            <a:endParaRPr lang="en-US" dirty="0" smtClean="0"/>
+          </a:p>
+          <a:p>
+            <a:pPr lvl="1"/>
+            <a:r>
+              <a:rPr lang="en-US" dirty="0" smtClean="0"/>
+              <a:t>Clock: </a:t>
+            </a:r>
+            <a:r>
+              <a:rPr lang="en-US" dirty="0" smtClean="0"/>
+              <a:t>1 GHz</a:t>
+            </a:r>
+            <a:endParaRPr lang="en-US" dirty="0"/>
+          </a:p>
+          <a:p>
+            <a:pPr lvl="1"/>
+            <a:endParaRPr lang="en-US" dirty="0" smtClean="0"/>
+          </a:p>
+        </p:txBody>
+      </p:sp>
+      <p:pic>
+        <p:nvPicPr>
+          <p:cNvPr id="6" name="Picture 5"/>
+          <p:cNvPicPr>
+            <a:picLocks noChangeAspect="1"/>
+          </p:cNvPicPr>
+          <p:nvPr/>
+        </p:nvPicPr>
+        <p:blipFill>
+          <a:blip r:embed="rId2"/>
+          <a:stretch>
+            <a:fillRect/>
+          </a:stretch>
+        </p:blipFill>
+        <p:spPr>
+          <a:xfrm>
+            <a:off x="103517" y="2224801"/>
+            <a:ext cx="4345982" cy="1573901"/>
+          </a:xfrm>
+          <a:prstGeom prst="rect">
+            <a:avLst/>
+          </a:prstGeom>
+        </p:spPr>
+      </p:pic>
+      <p:pic>
+        <p:nvPicPr>
+          <p:cNvPr id="7" name="Picture 6"/>
+          <p:cNvPicPr>
+            <a:picLocks noChangeAspect="1"/>
+          </p:cNvPicPr>
+          <p:nvPr/>
+        </p:nvPicPr>
+        <p:blipFill>
+          <a:blip r:embed="rId3"/>
+          <a:stretch>
+            <a:fillRect/>
+          </a:stretch>
+        </p:blipFill>
+        <p:spPr>
+          <a:xfrm>
+            <a:off x="4532896" y="2220893"/>
+            <a:ext cx="4313285" cy="1577808"/>
+          </a:xfrm>
+          <a:prstGeom prst="rect">
+            <a:avLst/>
+          </a:prstGeom>
+        </p:spPr>
+      </p:pic>
+      <p:sp>
+        <p:nvSpPr>
+          <p:cNvPr id="9" name="TextBox 8"/>
+          <p:cNvSpPr txBox="1"/>
+          <p:nvPr/>
+        </p:nvSpPr>
+        <p:spPr>
+          <a:xfrm>
+            <a:off x="4532897" y="4005778"/>
+            <a:ext cx="4206171" cy="1177245"/>
+          </a:xfrm>
+          <a:prstGeom prst="rect">
+            <a:avLst/>
+          </a:prstGeom>
+          <a:noFill/>
+        </p:spPr>
+        <p:txBody>
+          <a:bodyPr wrap="square" rtlCol="0">
+            <a:spAutoFit/>
+          </a:bodyPr>
+          <a:lstStyle/>
+          <a:p>
+            <a:pPr marL="214313" indent="-214313">
+              <a:buFont typeface="Arial" panose="020B0604020202020204" pitchFamily="34" charset="0"/>
+              <a:buChar char="•"/>
+            </a:pPr>
+            <a:r>
+              <a:rPr lang="en-US" sz="2100" dirty="0"/>
+              <a:t>Simulation values NAND</a:t>
+            </a:r>
+          </a:p>
+          <a:p>
+            <a:pPr marL="557213" lvl="1" indent="-214313">
+              <a:buFont typeface="Arial" panose="020B0604020202020204" pitchFamily="34" charset="0"/>
+              <a:buChar char="•"/>
+            </a:pPr>
+            <a:r>
+              <a:rPr lang="en-US" dirty="0"/>
+              <a:t>LO </a:t>
+            </a:r>
+            <a:r>
+              <a:rPr lang="en-US" dirty="0" smtClean="0"/>
+              <a:t>signal: </a:t>
+            </a:r>
+            <a:r>
+              <a:rPr lang="en-US" dirty="0"/>
+              <a:t>2 GHz</a:t>
+            </a:r>
+          </a:p>
+          <a:p>
+            <a:pPr marL="557213" lvl="1" indent="-214313">
+              <a:buFont typeface="Arial" panose="020B0604020202020204" pitchFamily="34" charset="0"/>
+              <a:buChar char="•"/>
+            </a:pPr>
+            <a:r>
+              <a:rPr lang="en-US" dirty="0"/>
+              <a:t>Data from the D flip flop</a:t>
+            </a:r>
+          </a:p>
+          <a:p>
+            <a:endParaRPr lang="en-GB" sz="1350" dirty="0"/>
+          </a:p>
+        </p:txBody>
+      </p:sp>
+    </p:spTree>
+    <p:extLst>
+      <p:ext uri="{BB962C8B-B14F-4D97-AF65-F5344CB8AC3E}">
+        <p14:creationId xmlns:p14="http://schemas.microsoft.com/office/powerpoint/2010/main" val="475506115"/>
+      </p:ext>
+    </p:extLst>
+  </p:cSld>
+  <p:clrMapOvr>
+    <a:masterClrMapping/>
+  </p:clrMapOvr>
+  <p:timing>
+    <p:tnLst>
+      <p:par>
+        <p:cTn id="1" dur="indefinite" restart="never" nodeType="tmRoot"/>
+      </p:par>
+    </p:tnLst>
+  </p:timing>
+</p:sld>
+</file>
+
+<file path=ppt/slides/slide4.xml><?xml version="1.0" encoding="utf-8"?>
+<p:sld xmlns:a="http://schemas.openxmlformats.org/drawingml/2006/main" xmlns:r="http://schemas.openxmlformats.org/officeDocument/2006/relationships" xmlns:p="http://schemas.openxmlformats.org/presentationml/2006/main">
+  <p:cSld>
+    <p:spTree>
+      <p:nvGrpSpPr>
+        <p:cNvPr id="1" name=""/>
+        <p:cNvGrpSpPr/>
+        <p:nvPr/>
+      </p:nvGrpSpPr>
+      <p:grpSpPr>
+        <a:xfrm>
+          <a:off x="0" y="0"/>
+          <a:ext cx="0" cy="0"/>
+          <a:chOff x="0" y="0"/>
+          <a:chExt cx="0" cy="0"/>
+        </a:xfrm>
+      </p:grpSpPr>
+      <p:sp>
+        <p:nvSpPr>
+          <p:cNvPr id="2" name="Title 1"/>
+          <p:cNvSpPr>
+            <a:spLocks noGrp="1"/>
+          </p:cNvSpPr>
+          <p:nvPr>
+            <p:ph type="title"/>
+          </p:nvPr>
+        </p:nvSpPr>
+        <p:spPr/>
+        <p:txBody>
+          <a:bodyPr/>
+          <a:lstStyle/>
+          <a:p>
+            <a:pPr algn="ctr"/>
+            <a:r>
+              <a:rPr lang="en-US" dirty="0" smtClean="0"/>
+              <a:t>Inverter</a:t>
+            </a:r>
+            <a:endParaRPr lang="en-GB" dirty="0"/>
+          </a:p>
+        </p:txBody>
+      </p:sp>
+      <p:pic>
+        <p:nvPicPr>
+          <p:cNvPr id="5" name="Content Placeholder 4"/>
+          <p:cNvPicPr>
+            <a:picLocks noGrp="1" noChangeAspect="1"/>
+          </p:cNvPicPr>
+          <p:nvPr>
+            <p:ph idx="1"/>
+          </p:nvPr>
+        </p:nvPicPr>
+        <p:blipFill>
+          <a:blip r:embed="rId2"/>
+          <a:stretch>
+            <a:fillRect/>
+          </a:stretch>
+        </p:blipFill>
+        <p:spPr>
+          <a:xfrm>
+            <a:off x="0" y="4365104"/>
+            <a:ext cx="3850481" cy="1714500"/>
+          </a:xfrm>
+          <a:prstGeom prst="rect">
+            <a:avLst/>
+          </a:prstGeom>
+        </p:spPr>
+      </p:pic>
+      <p:pic>
+        <p:nvPicPr>
+          <p:cNvPr id="4" name="Picture 3"/>
+          <p:cNvPicPr>
+            <a:picLocks noChangeAspect="1"/>
+          </p:cNvPicPr>
+          <p:nvPr/>
+        </p:nvPicPr>
+        <p:blipFill rotWithShape="1">
+          <a:blip r:embed="rId3"/>
+          <a:srcRect r="3875"/>
+          <a:stretch/>
+        </p:blipFill>
+        <p:spPr>
+          <a:xfrm>
+            <a:off x="35719" y="2348880"/>
+            <a:ext cx="4350813" cy="1000171"/>
+          </a:xfrm>
+          <a:prstGeom prst="rect">
+            <a:avLst/>
+          </a:prstGeom>
+        </p:spPr>
+      </p:pic>
+      <p:pic>
+        <p:nvPicPr>
+          <p:cNvPr id="6" name="Picture 5"/>
+          <p:cNvPicPr>
+            <a:picLocks noChangeAspect="1"/>
+          </p:cNvPicPr>
+          <p:nvPr/>
+        </p:nvPicPr>
+        <p:blipFill rotWithShape="1">
+          <a:blip r:embed="rId4"/>
+          <a:srcRect l="9496"/>
+          <a:stretch/>
+        </p:blipFill>
+        <p:spPr>
+          <a:xfrm>
+            <a:off x="4449370" y="1775403"/>
+            <a:ext cx="4333985" cy="1575474"/>
+          </a:xfrm>
+          <a:prstGeom prst="rect">
+            <a:avLst/>
+          </a:prstGeom>
+        </p:spPr>
+      </p:pic>
+      <p:sp>
+        <p:nvSpPr>
+          <p:cNvPr id="8" name="Tekstvak 3"/>
+          <p:cNvSpPr txBox="1"/>
+          <p:nvPr/>
+        </p:nvSpPr>
+        <p:spPr>
+          <a:xfrm>
+            <a:off x="4449370" y="4221088"/>
+            <a:ext cx="4457952" cy="2169825"/>
+          </a:xfrm>
+          <a:prstGeom prst="rect">
+            <a:avLst/>
+          </a:prstGeom>
+          <a:noFill/>
+        </p:spPr>
+        <p:txBody>
+          <a:bodyPr wrap="none" rtlCol="0">
+            <a:spAutoFit/>
+          </a:bodyPr>
+          <a:lstStyle/>
+          <a:p>
+            <a:r>
+              <a:rPr lang="en-US" sz="1350" dirty="0"/>
+              <a:t>Planning:</a:t>
+            </a:r>
+          </a:p>
+          <a:p>
+            <a:r>
+              <a:rPr lang="en-US" sz="1350" dirty="0"/>
+              <a:t>-    4/12: Read more about the subject and play with cadence</a:t>
+            </a:r>
+          </a:p>
+          <a:p>
+            <a:r>
+              <a:rPr lang="en-US" sz="1350" dirty="0"/>
+              <a:t>-    9/12: Ideal design D Flip-flip, NAND and inverter</a:t>
+            </a:r>
+          </a:p>
+          <a:p>
+            <a:pPr marL="214313" indent="-214313">
+              <a:buFontTx/>
+              <a:buChar char="-"/>
+            </a:pPr>
+            <a:r>
+              <a:rPr lang="en-US" sz="1350" dirty="0"/>
+              <a:t>x/12: Designing  inverter</a:t>
+            </a:r>
+          </a:p>
+          <a:p>
+            <a:pPr marL="214313" indent="-214313">
+              <a:buFontTx/>
+              <a:buChar char="-"/>
+            </a:pPr>
+            <a:r>
+              <a:rPr lang="en-US" sz="1350" dirty="0"/>
+              <a:t>x/12: Simulate inverter</a:t>
+            </a:r>
+          </a:p>
+          <a:p>
+            <a:pPr marL="214313" indent="-214313">
+              <a:buFontTx/>
+              <a:buChar char="-"/>
+            </a:pPr>
+            <a:r>
+              <a:rPr lang="en-US" sz="1350" dirty="0"/>
+              <a:t>x/12: Designing  NAND</a:t>
+            </a:r>
+          </a:p>
+          <a:p>
+            <a:pPr marL="214313" indent="-214313">
+              <a:buFontTx/>
+              <a:buChar char="-"/>
+            </a:pPr>
+            <a:r>
+              <a:rPr lang="en-US" sz="1350" dirty="0"/>
+              <a:t>x/12: Simulate NAND</a:t>
+            </a:r>
+          </a:p>
+          <a:p>
+            <a:pPr marL="214313" indent="-214313">
+              <a:buFontTx/>
+              <a:buChar char="-"/>
+            </a:pPr>
+            <a:r>
+              <a:rPr lang="en-US" sz="1350" dirty="0"/>
+              <a:t>x/1: Designing  D flip flop</a:t>
+            </a:r>
+          </a:p>
+          <a:p>
+            <a:pPr marL="214313" indent="-214313">
+              <a:buFontTx/>
+              <a:buChar char="-"/>
+            </a:pPr>
+            <a:r>
+              <a:rPr lang="en-US" sz="1350" dirty="0"/>
+              <a:t>x/1: Simulate D flip flop</a:t>
+            </a:r>
+          </a:p>
+          <a:p>
+            <a:pPr marL="214313" indent="-214313">
+              <a:buFontTx/>
+              <a:buChar char="-"/>
+            </a:pPr>
+            <a:r>
+              <a:rPr lang="en-US" sz="1350" dirty="0"/>
+              <a:t>x/1: Integrate the blocks</a:t>
+            </a:r>
+          </a:p>
+        </p:txBody>
+      </p:sp>
+    </p:spTree>
+    <p:extLst>
+      <p:ext uri="{BB962C8B-B14F-4D97-AF65-F5344CB8AC3E}">
+        <p14:creationId xmlns:p14="http://schemas.microsoft.com/office/powerpoint/2010/main" val="2265704999"/>
+      </p:ext>
+    </p:extLst>
+  </p:cSld>
+  <p:clrMapOvr>
+    <a:masterClrMapping/>
+  </p:clrMapOvr>
+  <p:timing>
+    <p:tnLst>
+      <p:par>
+        <p:cTn id="1" dur="indefinite" restart="never" nodeType="tmRoot"/>
+      </p:par>
+    </p:tnLst>
+  </p:timing>
+</p:sld>
+</file>
+
+<file path=ppt/slides/slide5.xml><?xml version="1.0" encoding="utf-8"?>
 <p:sld xmlns:a="http://schemas.openxmlformats.org/drawingml/2006/main" xmlns:r="http://schemas.openxmlformats.org/officeDocument/2006/relationships" xmlns:p="http://schemas.openxmlformats.org/presentationml/2006/main">
   <p:cSld>
     <p:spTree>
